--- a/renmas.pptx
+++ b/renmas.pptx
@@ -6,6 +6,10 @@
   </p:sldMasterIdLst>
   <p:sldIdLst>
     <p:sldId id="256" r:id="rId2"/>
+    <p:sldId id="257" r:id="rId3"/>
+    <p:sldId id="258" r:id="rId4"/>
+    <p:sldId id="259" r:id="rId5"/>
+    <p:sldId id="260" r:id="rId6"/>
   </p:sldIdLst>
   <p:sldSz cx="9144000" cy="6858000" type="screen4x3"/>
   <p:notesSz cx="6858000" cy="9144000"/>
@@ -288,7 +292,7 @@
           <a:p>
             <a:fld id="{66CF4138-64A8-4BE9-98D3-68CACF210721}" type="datetimeFigureOut">
               <a:rPr lang="en-US" smtClean="0"/>
-              <a:t>5/17/2011</a:t>
+              <a:t>5/23/2011</a:t>
             </a:fld>
             <a:endParaRPr lang="en-US"/>
           </a:p>
@@ -458,7 +462,7 @@
           <a:p>
             <a:fld id="{66CF4138-64A8-4BE9-98D3-68CACF210721}" type="datetimeFigureOut">
               <a:rPr lang="en-US" smtClean="0"/>
-              <a:t>5/17/2011</a:t>
+              <a:t>5/23/2011</a:t>
             </a:fld>
             <a:endParaRPr lang="en-US"/>
           </a:p>
@@ -638,7 +642,7 @@
           <a:p>
             <a:fld id="{66CF4138-64A8-4BE9-98D3-68CACF210721}" type="datetimeFigureOut">
               <a:rPr lang="en-US" smtClean="0"/>
-              <a:t>5/17/2011</a:t>
+              <a:t>5/23/2011</a:t>
             </a:fld>
             <a:endParaRPr lang="en-US"/>
           </a:p>
@@ -808,7 +812,7 @@
           <a:p>
             <a:fld id="{66CF4138-64A8-4BE9-98D3-68CACF210721}" type="datetimeFigureOut">
               <a:rPr lang="en-US" smtClean="0"/>
-              <a:t>5/17/2011</a:t>
+              <a:t>5/23/2011</a:t>
             </a:fld>
             <a:endParaRPr lang="en-US"/>
           </a:p>
@@ -1054,7 +1058,7 @@
           <a:p>
             <a:fld id="{66CF4138-64A8-4BE9-98D3-68CACF210721}" type="datetimeFigureOut">
               <a:rPr lang="en-US" smtClean="0"/>
-              <a:t>5/17/2011</a:t>
+              <a:t>5/23/2011</a:t>
             </a:fld>
             <a:endParaRPr lang="en-US"/>
           </a:p>
@@ -1342,7 +1346,7 @@
           <a:p>
             <a:fld id="{66CF4138-64A8-4BE9-98D3-68CACF210721}" type="datetimeFigureOut">
               <a:rPr lang="en-US" smtClean="0"/>
-              <a:t>5/17/2011</a:t>
+              <a:t>5/23/2011</a:t>
             </a:fld>
             <a:endParaRPr lang="en-US"/>
           </a:p>
@@ -1764,7 +1768,7 @@
           <a:p>
             <a:fld id="{66CF4138-64A8-4BE9-98D3-68CACF210721}" type="datetimeFigureOut">
               <a:rPr lang="en-US" smtClean="0"/>
-              <a:t>5/17/2011</a:t>
+              <a:t>5/23/2011</a:t>
             </a:fld>
             <a:endParaRPr lang="en-US"/>
           </a:p>
@@ -1882,7 +1886,7 @@
           <a:p>
             <a:fld id="{66CF4138-64A8-4BE9-98D3-68CACF210721}" type="datetimeFigureOut">
               <a:rPr lang="en-US" smtClean="0"/>
-              <a:t>5/17/2011</a:t>
+              <a:t>5/23/2011</a:t>
             </a:fld>
             <a:endParaRPr lang="en-US"/>
           </a:p>
@@ -1977,7 +1981,7 @@
           <a:p>
             <a:fld id="{66CF4138-64A8-4BE9-98D3-68CACF210721}" type="datetimeFigureOut">
               <a:rPr lang="en-US" smtClean="0"/>
-              <a:t>5/17/2011</a:t>
+              <a:t>5/23/2011</a:t>
             </a:fld>
             <a:endParaRPr lang="en-US"/>
           </a:p>
@@ -2254,7 +2258,7 @@
           <a:p>
             <a:fld id="{66CF4138-64A8-4BE9-98D3-68CACF210721}" type="datetimeFigureOut">
               <a:rPr lang="en-US" smtClean="0"/>
-              <a:t>5/17/2011</a:t>
+              <a:t>5/23/2011</a:t>
             </a:fld>
             <a:endParaRPr lang="en-US"/>
           </a:p>
@@ -2507,7 +2511,7 @@
           <a:p>
             <a:fld id="{66CF4138-64A8-4BE9-98D3-68CACF210721}" type="datetimeFigureOut">
               <a:rPr lang="en-US" smtClean="0"/>
-              <a:t>5/17/2011</a:t>
+              <a:t>5/23/2011</a:t>
             </a:fld>
             <a:endParaRPr lang="en-US"/>
           </a:p>
@@ -2720,7 +2724,7 @@
           <a:p>
             <a:fld id="{66CF4138-64A8-4BE9-98D3-68CACF210721}" type="datetimeFigureOut">
               <a:rPr lang="en-US" smtClean="0"/>
-              <a:t>5/17/2011</a:t>
+              <a:t>5/23/2011</a:t>
             </a:fld>
             <a:endParaRPr lang="en-US"/>
           </a:p>
@@ -3833,6 +3837,2198 @@
   <p:clrMapOvr>
     <a:masterClrMapping/>
   </p:clrMapOvr>
+  <p:timing>
+    <p:tnLst>
+      <p:par>
+        <p:cTn id="1" dur="indefinite" restart="never" nodeType="tmRoot"/>
+      </p:par>
+    </p:tnLst>
+  </p:timing>
+</p:sld>
+</file>
+
+<file path=ppt/slides/slide2.xml><?xml version="1.0" encoding="utf-8"?>
+<p:sld xmlns:a="http://schemas.openxmlformats.org/drawingml/2006/main" xmlns:r="http://schemas.openxmlformats.org/officeDocument/2006/relationships" xmlns:p="http://schemas.openxmlformats.org/presentationml/2006/main">
+  <p:cSld>
+    <p:spTree>
+      <p:nvGrpSpPr>
+        <p:cNvPr id="1" name=""/>
+        <p:cNvGrpSpPr/>
+        <p:nvPr/>
+      </p:nvGrpSpPr>
+      <p:grpSpPr>
+        <a:xfrm>
+          <a:off x="0" y="0"/>
+          <a:ext cx="0" cy="0"/>
+          <a:chOff x="0" y="0"/>
+          <a:chExt cx="0" cy="0"/>
+        </a:xfrm>
+      </p:grpSpPr>
+      <p:sp>
+        <p:nvSpPr>
+          <p:cNvPr id="4" name="Rectangle 3"/>
+          <p:cNvSpPr/>
+          <p:nvPr/>
+        </p:nvSpPr>
+        <p:spPr>
+          <a:xfrm>
+            <a:off x="2819400" y="2133600"/>
+            <a:ext cx="5181600" cy="666750"/>
+          </a:xfrm>
+          <a:prstGeom prst="rect">
+            <a:avLst/>
+          </a:prstGeom>
+        </p:spPr>
+        <p:style>
+          <a:lnRef idx="2">
+            <a:schemeClr val="accent1">
+              <a:shade val="50000"/>
+            </a:schemeClr>
+          </a:lnRef>
+          <a:fillRef idx="1">
+            <a:schemeClr val="accent1"/>
+          </a:fillRef>
+          <a:effectRef idx="0">
+            <a:schemeClr val="accent1"/>
+          </a:effectRef>
+          <a:fontRef idx="minor">
+            <a:schemeClr val="lt1"/>
+          </a:fontRef>
+        </p:style>
+        <p:txBody>
+          <a:bodyPr rtlCol="0" anchor="ctr"/>
+          <a:lstStyle/>
+          <a:p>
+            <a:pPr algn="ctr"/>
+            <a:r>
+              <a:rPr lang="en-US" sz="3600" dirty="0" err="1"/>
+              <a:t>r</a:t>
+            </a:r>
+            <a:r>
+              <a:rPr lang="en-US" sz="3600" dirty="0" err="1" smtClean="0"/>
+              <a:t>enmas</a:t>
+            </a:r>
+            <a:r>
+              <a:rPr lang="en-US" sz="3600" dirty="0" smtClean="0"/>
+              <a:t> framework</a:t>
+            </a:r>
+            <a:endParaRPr lang="en-US" sz="3600" dirty="0"/>
+          </a:p>
+        </p:txBody>
+      </p:sp>
+      <p:sp>
+        <p:nvSpPr>
+          <p:cNvPr id="11" name="Rectangle 10"/>
+          <p:cNvSpPr/>
+          <p:nvPr/>
+        </p:nvSpPr>
+        <p:spPr>
+          <a:xfrm>
+            <a:off x="3519910" y="224901"/>
+            <a:ext cx="1840992" cy="609600"/>
+          </a:xfrm>
+          <a:prstGeom prst="rect">
+            <a:avLst/>
+          </a:prstGeom>
+        </p:spPr>
+        <p:style>
+          <a:lnRef idx="2">
+            <a:schemeClr val="accent1">
+              <a:shade val="50000"/>
+            </a:schemeClr>
+          </a:lnRef>
+          <a:fillRef idx="1">
+            <a:schemeClr val="accent1"/>
+          </a:fillRef>
+          <a:effectRef idx="0">
+            <a:schemeClr val="accent1"/>
+          </a:effectRef>
+          <a:fontRef idx="minor">
+            <a:schemeClr val="lt1"/>
+          </a:fontRef>
+        </p:style>
+        <p:txBody>
+          <a:bodyPr rtlCol="0" anchor="ctr"/>
+          <a:lstStyle/>
+          <a:p>
+            <a:pPr algn="ctr"/>
+            <a:r>
+              <a:rPr lang="en-US" dirty="0" smtClean="0"/>
+              <a:t>Python 3</a:t>
+            </a:r>
+            <a:endParaRPr lang="en-US" dirty="0"/>
+          </a:p>
+        </p:txBody>
+      </p:sp>
+      <p:sp>
+        <p:nvSpPr>
+          <p:cNvPr id="12" name="Rectangle 11"/>
+          <p:cNvSpPr/>
+          <p:nvPr/>
+        </p:nvSpPr>
+        <p:spPr>
+          <a:xfrm>
+            <a:off x="5359422" y="224902"/>
+            <a:ext cx="1041378" cy="609600"/>
+          </a:xfrm>
+          <a:prstGeom prst="rect">
+            <a:avLst/>
+          </a:prstGeom>
+        </p:spPr>
+        <p:style>
+          <a:lnRef idx="2">
+            <a:schemeClr val="accent1">
+              <a:shade val="50000"/>
+            </a:schemeClr>
+          </a:lnRef>
+          <a:fillRef idx="1">
+            <a:schemeClr val="accent1"/>
+          </a:fillRef>
+          <a:effectRef idx="0">
+            <a:schemeClr val="accent1"/>
+          </a:effectRef>
+          <a:fontRef idx="minor">
+            <a:schemeClr val="lt1"/>
+          </a:fontRef>
+        </p:style>
+        <p:txBody>
+          <a:bodyPr rtlCol="0" anchor="ctr"/>
+          <a:lstStyle/>
+          <a:p>
+            <a:pPr algn="ctr"/>
+            <a:r>
+              <a:rPr lang="en-US" dirty="0" smtClean="0"/>
+              <a:t>x86</a:t>
+            </a:r>
+            <a:endParaRPr lang="en-US" dirty="0"/>
+          </a:p>
+        </p:txBody>
+      </p:sp>
+      <p:sp>
+        <p:nvSpPr>
+          <p:cNvPr id="13" name="Rectangle 12"/>
+          <p:cNvSpPr/>
+          <p:nvPr/>
+        </p:nvSpPr>
+        <p:spPr>
+          <a:xfrm>
+            <a:off x="4645232" y="1099351"/>
+            <a:ext cx="1279594" cy="457200"/>
+          </a:xfrm>
+          <a:prstGeom prst="rect">
+            <a:avLst/>
+          </a:prstGeom>
+        </p:spPr>
+        <p:style>
+          <a:lnRef idx="2">
+            <a:schemeClr val="accent1">
+              <a:shade val="50000"/>
+            </a:schemeClr>
+          </a:lnRef>
+          <a:fillRef idx="1">
+            <a:schemeClr val="accent1"/>
+          </a:fillRef>
+          <a:effectRef idx="0">
+            <a:schemeClr val="accent1"/>
+          </a:effectRef>
+          <a:fontRef idx="minor">
+            <a:schemeClr val="lt1"/>
+          </a:fontRef>
+        </p:style>
+        <p:txBody>
+          <a:bodyPr rtlCol="0" anchor="ctr"/>
+          <a:lstStyle/>
+          <a:p>
+            <a:pPr algn="ctr"/>
+            <a:r>
+              <a:rPr lang="en-US" dirty="0" err="1" smtClean="0"/>
+              <a:t>TDAsm</a:t>
+            </a:r>
+            <a:endParaRPr lang="en-US" dirty="0"/>
+          </a:p>
+        </p:txBody>
+      </p:sp>
+      <p:sp>
+        <p:nvSpPr>
+          <p:cNvPr id="14" name="Left-Right Arrow 13"/>
+          <p:cNvSpPr/>
+          <p:nvPr/>
+        </p:nvSpPr>
+        <p:spPr>
+          <a:xfrm rot="5400000">
+            <a:off x="3464148" y="1315839"/>
+            <a:ext cx="1299097" cy="336424"/>
+          </a:xfrm>
+          <a:prstGeom prst="leftRightArrow">
+            <a:avLst/>
+          </a:prstGeom>
+        </p:spPr>
+        <p:style>
+          <a:lnRef idx="2">
+            <a:schemeClr val="accent1">
+              <a:shade val="50000"/>
+            </a:schemeClr>
+          </a:lnRef>
+          <a:fillRef idx="1">
+            <a:schemeClr val="accent1"/>
+          </a:fillRef>
+          <a:effectRef idx="0">
+            <a:schemeClr val="accent1"/>
+          </a:effectRef>
+          <a:fontRef idx="minor">
+            <a:schemeClr val="lt1"/>
+          </a:fontRef>
+        </p:style>
+        <p:txBody>
+          <a:bodyPr rtlCol="0" anchor="ctr"/>
+          <a:lstStyle/>
+          <a:p>
+            <a:pPr algn="ctr"/>
+            <a:endParaRPr lang="en-US"/>
+          </a:p>
+        </p:txBody>
+      </p:sp>
+      <p:sp>
+        <p:nvSpPr>
+          <p:cNvPr id="15" name="Left-Right Arrow 14"/>
+          <p:cNvSpPr/>
+          <p:nvPr/>
+        </p:nvSpPr>
+        <p:spPr>
+          <a:xfrm rot="5400000">
+            <a:off x="5502775" y="1315838"/>
+            <a:ext cx="1299097" cy="336424"/>
+          </a:xfrm>
+          <a:prstGeom prst="leftRightArrow">
+            <a:avLst/>
+          </a:prstGeom>
+        </p:spPr>
+        <p:style>
+          <a:lnRef idx="2">
+            <a:schemeClr val="accent1">
+              <a:shade val="50000"/>
+            </a:schemeClr>
+          </a:lnRef>
+          <a:fillRef idx="1">
+            <a:schemeClr val="accent1"/>
+          </a:fillRef>
+          <a:effectRef idx="0">
+            <a:schemeClr val="accent1"/>
+          </a:effectRef>
+          <a:fontRef idx="minor">
+            <a:schemeClr val="lt1"/>
+          </a:fontRef>
+        </p:style>
+        <p:txBody>
+          <a:bodyPr rtlCol="0" anchor="ctr"/>
+          <a:lstStyle/>
+          <a:p>
+            <a:pPr algn="ctr"/>
+            <a:endParaRPr lang="en-US"/>
+          </a:p>
+        </p:txBody>
+      </p:sp>
+      <p:sp>
+        <p:nvSpPr>
+          <p:cNvPr id="16" name="Left-Right Arrow 15"/>
+          <p:cNvSpPr/>
+          <p:nvPr/>
+        </p:nvSpPr>
+        <p:spPr>
+          <a:xfrm rot="5400000">
+            <a:off x="4831584" y="1676865"/>
+            <a:ext cx="577052" cy="336424"/>
+          </a:xfrm>
+          <a:prstGeom prst="leftRightArrow">
+            <a:avLst/>
+          </a:prstGeom>
+        </p:spPr>
+        <p:style>
+          <a:lnRef idx="2">
+            <a:schemeClr val="accent1">
+              <a:shade val="50000"/>
+            </a:schemeClr>
+          </a:lnRef>
+          <a:fillRef idx="1">
+            <a:schemeClr val="accent1"/>
+          </a:fillRef>
+          <a:effectRef idx="0">
+            <a:schemeClr val="accent1"/>
+          </a:effectRef>
+          <a:fontRef idx="minor">
+            <a:schemeClr val="lt1"/>
+          </a:fontRef>
+        </p:style>
+        <p:txBody>
+          <a:bodyPr rtlCol="0" anchor="ctr"/>
+          <a:lstStyle/>
+          <a:p>
+            <a:pPr algn="ctr"/>
+            <a:endParaRPr lang="en-US"/>
+          </a:p>
+        </p:txBody>
+      </p:sp>
+      <p:sp>
+        <p:nvSpPr>
+          <p:cNvPr id="17" name="Left-Right Arrow 16"/>
+          <p:cNvSpPr/>
+          <p:nvPr/>
+        </p:nvSpPr>
+        <p:spPr>
+          <a:xfrm rot="5400000">
+            <a:off x="4829202" y="914935"/>
+            <a:ext cx="245391" cy="123445"/>
+          </a:xfrm>
+          <a:prstGeom prst="leftRightArrow">
+            <a:avLst/>
+          </a:prstGeom>
+        </p:spPr>
+        <p:style>
+          <a:lnRef idx="2">
+            <a:schemeClr val="accent1">
+              <a:shade val="50000"/>
+            </a:schemeClr>
+          </a:lnRef>
+          <a:fillRef idx="1">
+            <a:schemeClr val="accent1"/>
+          </a:fillRef>
+          <a:effectRef idx="0">
+            <a:schemeClr val="accent1"/>
+          </a:effectRef>
+          <a:fontRef idx="minor">
+            <a:schemeClr val="lt1"/>
+          </a:fontRef>
+        </p:style>
+        <p:txBody>
+          <a:bodyPr rtlCol="0" anchor="ctr"/>
+          <a:lstStyle/>
+          <a:p>
+            <a:pPr algn="ctr"/>
+            <a:endParaRPr lang="en-US"/>
+          </a:p>
+        </p:txBody>
+      </p:sp>
+      <p:sp>
+        <p:nvSpPr>
+          <p:cNvPr id="18" name="Left-Right Arrow 17"/>
+          <p:cNvSpPr/>
+          <p:nvPr/>
+        </p:nvSpPr>
+        <p:spPr>
+          <a:xfrm rot="5400000">
+            <a:off x="5377609" y="914935"/>
+            <a:ext cx="245391" cy="123445"/>
+          </a:xfrm>
+          <a:prstGeom prst="leftRightArrow">
+            <a:avLst/>
+          </a:prstGeom>
+        </p:spPr>
+        <p:style>
+          <a:lnRef idx="2">
+            <a:schemeClr val="accent1">
+              <a:shade val="50000"/>
+            </a:schemeClr>
+          </a:lnRef>
+          <a:fillRef idx="1">
+            <a:schemeClr val="accent1"/>
+          </a:fillRef>
+          <a:effectRef idx="0">
+            <a:schemeClr val="accent1"/>
+          </a:effectRef>
+          <a:fontRef idx="minor">
+            <a:schemeClr val="lt1"/>
+          </a:fontRef>
+        </p:style>
+        <p:txBody>
+          <a:bodyPr rtlCol="0" anchor="ctr"/>
+          <a:lstStyle/>
+          <a:p>
+            <a:pPr algn="ctr"/>
+            <a:endParaRPr lang="en-US"/>
+          </a:p>
+        </p:txBody>
+      </p:sp>
+      <p:sp>
+        <p:nvSpPr>
+          <p:cNvPr id="21" name="TextBox 20"/>
+          <p:cNvSpPr txBox="1"/>
+          <p:nvPr/>
+        </p:nvSpPr>
+        <p:spPr>
+          <a:xfrm>
+            <a:off x="927881" y="3308866"/>
+            <a:ext cx="6708055" cy="369332"/>
+          </a:xfrm>
+          <a:prstGeom prst="rect">
+            <a:avLst/>
+          </a:prstGeom>
+          <a:noFill/>
+        </p:spPr>
+        <p:txBody>
+          <a:bodyPr wrap="none" rtlCol="0">
+            <a:spAutoFit/>
+          </a:bodyPr>
+          <a:lstStyle/>
+          <a:p>
+            <a:r>
+              <a:rPr lang="en-US" dirty="0"/>
+              <a:t>x</a:t>
+            </a:r>
+            <a:r>
+              <a:rPr lang="en-US" dirty="0" smtClean="0"/>
+              <a:t>86 – module written for Python3 that allow direct access to memory</a:t>
+            </a:r>
+            <a:endParaRPr lang="en-US" dirty="0"/>
+          </a:p>
+        </p:txBody>
+      </p:sp>
+      <p:sp>
+        <p:nvSpPr>
+          <p:cNvPr id="22" name="TextBox 21"/>
+          <p:cNvSpPr txBox="1"/>
+          <p:nvPr/>
+        </p:nvSpPr>
+        <p:spPr>
+          <a:xfrm>
+            <a:off x="927881" y="3698289"/>
+            <a:ext cx="4050148" cy="369332"/>
+          </a:xfrm>
+          <a:prstGeom prst="rect">
+            <a:avLst/>
+          </a:prstGeom>
+          <a:noFill/>
+        </p:spPr>
+        <p:txBody>
+          <a:bodyPr wrap="none" rtlCol="0">
+            <a:spAutoFit/>
+          </a:bodyPr>
+          <a:lstStyle/>
+          <a:p>
+            <a:r>
+              <a:rPr lang="en-US" dirty="0" err="1" smtClean="0"/>
+              <a:t>TDAsm</a:t>
+            </a:r>
+            <a:r>
+              <a:rPr lang="en-US" dirty="0" smtClean="0"/>
+              <a:t> – Dynamic assembler for Python3</a:t>
+            </a:r>
+            <a:endParaRPr lang="en-US" dirty="0"/>
+          </a:p>
+        </p:txBody>
+      </p:sp>
+      <p:sp>
+        <p:nvSpPr>
+          <p:cNvPr id="23" name="TextBox 22"/>
+          <p:cNvSpPr txBox="1"/>
+          <p:nvPr/>
+        </p:nvSpPr>
+        <p:spPr>
+          <a:xfrm>
+            <a:off x="947365" y="4528066"/>
+            <a:ext cx="5960221" cy="369332"/>
+          </a:xfrm>
+          <a:prstGeom prst="rect">
+            <a:avLst/>
+          </a:prstGeom>
+          <a:noFill/>
+        </p:spPr>
+        <p:txBody>
+          <a:bodyPr wrap="none" rtlCol="0">
+            <a:spAutoFit/>
+          </a:bodyPr>
+          <a:lstStyle/>
+          <a:p>
+            <a:r>
+              <a:rPr lang="en-US" dirty="0" err="1"/>
+              <a:t>r</a:t>
+            </a:r>
+            <a:r>
+              <a:rPr lang="en-US" dirty="0" err="1" smtClean="0"/>
+              <a:t>enmas</a:t>
+            </a:r>
+            <a:r>
+              <a:rPr lang="en-US" dirty="0" smtClean="0"/>
+              <a:t> </a:t>
+            </a:r>
+            <a:r>
+              <a:rPr lang="en-US" dirty="0"/>
+              <a:t>minimum </a:t>
+            </a:r>
+            <a:r>
+              <a:rPr lang="en-US" dirty="0" smtClean="0"/>
+              <a:t>requirements are </a:t>
+            </a:r>
+            <a:r>
+              <a:rPr lang="en-US" dirty="0" err="1" smtClean="0"/>
+              <a:t>TDAsm</a:t>
+            </a:r>
+            <a:r>
+              <a:rPr lang="en-US" dirty="0" smtClean="0"/>
+              <a:t>, x86 and Python3</a:t>
+            </a:r>
+            <a:endParaRPr lang="en-US" dirty="0"/>
+          </a:p>
+        </p:txBody>
+      </p:sp>
+      <p:sp>
+        <p:nvSpPr>
+          <p:cNvPr id="26" name="TextBox 25"/>
+          <p:cNvSpPr txBox="1"/>
+          <p:nvPr/>
+        </p:nvSpPr>
+        <p:spPr>
+          <a:xfrm>
+            <a:off x="942186" y="4067621"/>
+            <a:ext cx="5627181" cy="369332"/>
+          </a:xfrm>
+          <a:prstGeom prst="rect">
+            <a:avLst/>
+          </a:prstGeom>
+          <a:noFill/>
+        </p:spPr>
+        <p:txBody>
+          <a:bodyPr wrap="none" rtlCol="0">
+            <a:spAutoFit/>
+          </a:bodyPr>
+          <a:lstStyle/>
+          <a:p>
+            <a:r>
+              <a:rPr lang="en-US" dirty="0" err="1" smtClean="0"/>
+              <a:t>TDAsm</a:t>
+            </a:r>
+            <a:r>
+              <a:rPr lang="en-US" dirty="0" smtClean="0"/>
+              <a:t> – support 32 and 64-bit x86 Intel based processors</a:t>
+            </a:r>
+            <a:endParaRPr lang="en-US" dirty="0"/>
+          </a:p>
+        </p:txBody>
+      </p:sp>
+    </p:spTree>
+    <p:extLst>
+      <p:ext uri="{BB962C8B-B14F-4D97-AF65-F5344CB8AC3E}">
+        <p14:creationId xmlns:p14="http://schemas.microsoft.com/office/powerpoint/2010/main" val="2450406190"/>
+      </p:ext>
+    </p:extLst>
+  </p:cSld>
+  <p:clrMapOvr>
+    <a:masterClrMapping/>
+  </p:clrMapOvr>
+  <p:timing>
+    <p:tnLst>
+      <p:par>
+        <p:cTn id="1" dur="indefinite" restart="never" nodeType="tmRoot"/>
+      </p:par>
+    </p:tnLst>
+  </p:timing>
+</p:sld>
+</file>
+
+<file path=ppt/slides/slide3.xml><?xml version="1.0" encoding="utf-8"?>
+<p:sld xmlns:a="http://schemas.openxmlformats.org/drawingml/2006/main" xmlns:r="http://schemas.openxmlformats.org/officeDocument/2006/relationships" xmlns:p="http://schemas.openxmlformats.org/presentationml/2006/main">
+  <p:cSld>
+    <p:spTree>
+      <p:nvGrpSpPr>
+        <p:cNvPr id="1" name=""/>
+        <p:cNvGrpSpPr/>
+        <p:nvPr/>
+      </p:nvGrpSpPr>
+      <p:grpSpPr>
+        <a:xfrm>
+          <a:off x="0" y="0"/>
+          <a:ext cx="0" cy="0"/>
+          <a:chOff x="0" y="0"/>
+          <a:chExt cx="0" cy="0"/>
+        </a:xfrm>
+      </p:grpSpPr>
+      <p:sp>
+        <p:nvSpPr>
+          <p:cNvPr id="4" name="Rectangle 3"/>
+          <p:cNvSpPr/>
+          <p:nvPr/>
+        </p:nvSpPr>
+        <p:spPr>
+          <a:xfrm>
+            <a:off x="1600200" y="685800"/>
+            <a:ext cx="4876800" cy="1143000"/>
+          </a:xfrm>
+          <a:prstGeom prst="rect">
+            <a:avLst/>
+          </a:prstGeom>
+        </p:spPr>
+        <p:style>
+          <a:lnRef idx="2">
+            <a:schemeClr val="accent1">
+              <a:shade val="50000"/>
+            </a:schemeClr>
+          </a:lnRef>
+          <a:fillRef idx="1">
+            <a:schemeClr val="accent1"/>
+          </a:fillRef>
+          <a:effectRef idx="0">
+            <a:schemeClr val="accent1"/>
+          </a:effectRef>
+          <a:fontRef idx="minor">
+            <a:schemeClr val="lt1"/>
+          </a:fontRef>
+        </p:style>
+        <p:txBody>
+          <a:bodyPr rtlCol="0" anchor="ctr"/>
+          <a:lstStyle/>
+          <a:p>
+            <a:pPr algn="ctr"/>
+            <a:r>
+              <a:rPr lang="en-US" sz="3600" dirty="0" err="1"/>
+              <a:t>r</a:t>
+            </a:r>
+            <a:r>
+              <a:rPr lang="en-US" sz="3600" dirty="0" err="1" smtClean="0"/>
+              <a:t>enmas</a:t>
+            </a:r>
+            <a:r>
+              <a:rPr lang="en-US" sz="3600" dirty="0" smtClean="0"/>
+              <a:t> framework</a:t>
+            </a:r>
+            <a:endParaRPr lang="en-US" sz="3600" dirty="0"/>
+          </a:p>
+        </p:txBody>
+      </p:sp>
+      <p:sp>
+        <p:nvSpPr>
+          <p:cNvPr id="21" name="TextBox 20"/>
+          <p:cNvSpPr txBox="1"/>
+          <p:nvPr/>
+        </p:nvSpPr>
+        <p:spPr>
+          <a:xfrm>
+            <a:off x="1143000" y="3376474"/>
+            <a:ext cx="6878871" cy="369332"/>
+          </a:xfrm>
+          <a:prstGeom prst="rect">
+            <a:avLst/>
+          </a:prstGeom>
+          <a:noFill/>
+        </p:spPr>
+        <p:txBody>
+          <a:bodyPr wrap="none" rtlCol="0">
+            <a:spAutoFit/>
+          </a:bodyPr>
+          <a:lstStyle/>
+          <a:p>
+            <a:r>
+              <a:rPr lang="en-US" dirty="0" smtClean="0"/>
+              <a:t>- excellent </a:t>
+            </a:r>
+            <a:r>
+              <a:rPr lang="en-US" dirty="0" err="1" smtClean="0"/>
+              <a:t>performanse</a:t>
+            </a:r>
+            <a:r>
+              <a:rPr lang="en-US" dirty="0" smtClean="0"/>
+              <a:t> because code is written in assembly language   </a:t>
+            </a:r>
+            <a:endParaRPr lang="en-US" dirty="0"/>
+          </a:p>
+        </p:txBody>
+      </p:sp>
+      <p:sp>
+        <p:nvSpPr>
+          <p:cNvPr id="22" name="TextBox 21"/>
+          <p:cNvSpPr txBox="1"/>
+          <p:nvPr/>
+        </p:nvSpPr>
+        <p:spPr>
+          <a:xfrm>
+            <a:off x="1143000" y="2350532"/>
+            <a:ext cx="7315200" cy="646331"/>
+          </a:xfrm>
+          <a:prstGeom prst="rect">
+            <a:avLst/>
+          </a:prstGeom>
+          <a:noFill/>
+        </p:spPr>
+        <p:txBody>
+          <a:bodyPr wrap="square" rtlCol="0">
+            <a:spAutoFit/>
+          </a:bodyPr>
+          <a:lstStyle/>
+          <a:p>
+            <a:r>
+              <a:rPr lang="en-US" dirty="0" err="1" smtClean="0"/>
+              <a:t>renmas</a:t>
+            </a:r>
+            <a:r>
+              <a:rPr lang="en-US" dirty="0" smtClean="0"/>
+              <a:t> main disadvantage is slow development because code fragments are developed in assembly language </a:t>
+            </a:r>
+            <a:endParaRPr lang="en-US" dirty="0"/>
+          </a:p>
+        </p:txBody>
+      </p:sp>
+      <p:sp>
+        <p:nvSpPr>
+          <p:cNvPr id="23" name="TextBox 22"/>
+          <p:cNvSpPr txBox="1"/>
+          <p:nvPr/>
+        </p:nvSpPr>
+        <p:spPr>
+          <a:xfrm>
+            <a:off x="838200" y="1981200"/>
+            <a:ext cx="1814509" cy="369332"/>
+          </a:xfrm>
+          <a:prstGeom prst="rect">
+            <a:avLst/>
+          </a:prstGeom>
+          <a:noFill/>
+        </p:spPr>
+        <p:txBody>
+          <a:bodyPr wrap="square" rtlCol="0">
+            <a:spAutoFit/>
+          </a:bodyPr>
+          <a:lstStyle/>
+          <a:p>
+            <a:r>
+              <a:rPr lang="en-US" dirty="0" smtClean="0"/>
+              <a:t>-Disadvantages:</a:t>
+            </a:r>
+            <a:endParaRPr lang="en-US" dirty="0"/>
+          </a:p>
+        </p:txBody>
+      </p:sp>
+      <p:sp>
+        <p:nvSpPr>
+          <p:cNvPr id="24" name="TextBox 23"/>
+          <p:cNvSpPr txBox="1"/>
+          <p:nvPr/>
+        </p:nvSpPr>
+        <p:spPr>
+          <a:xfrm>
+            <a:off x="899848" y="3012230"/>
+            <a:ext cx="1400704" cy="369332"/>
+          </a:xfrm>
+          <a:prstGeom prst="rect">
+            <a:avLst/>
+          </a:prstGeom>
+          <a:noFill/>
+        </p:spPr>
+        <p:txBody>
+          <a:bodyPr wrap="none" rtlCol="0">
+            <a:spAutoFit/>
+          </a:bodyPr>
+          <a:lstStyle/>
+          <a:p>
+            <a:r>
+              <a:rPr lang="en-US" dirty="0" smtClean="0"/>
+              <a:t>-Advantages:</a:t>
+            </a:r>
+            <a:endParaRPr lang="en-US" dirty="0"/>
+          </a:p>
+        </p:txBody>
+      </p:sp>
+      <p:sp>
+        <p:nvSpPr>
+          <p:cNvPr id="25" name="TextBox 24"/>
+          <p:cNvSpPr txBox="1"/>
+          <p:nvPr/>
+        </p:nvSpPr>
+        <p:spPr>
+          <a:xfrm>
+            <a:off x="1160016" y="3761173"/>
+            <a:ext cx="6427016" cy="369332"/>
+          </a:xfrm>
+          <a:prstGeom prst="rect">
+            <a:avLst/>
+          </a:prstGeom>
+          <a:noFill/>
+        </p:spPr>
+        <p:txBody>
+          <a:bodyPr wrap="none" rtlCol="0">
+            <a:spAutoFit/>
+          </a:bodyPr>
+          <a:lstStyle/>
+          <a:p>
+            <a:r>
+              <a:rPr lang="en-US" dirty="0" smtClean="0"/>
+              <a:t>- extreme flexibility because machine code is generated at runtime</a:t>
+            </a:r>
+            <a:endParaRPr lang="en-US" dirty="0"/>
+          </a:p>
+        </p:txBody>
+      </p:sp>
+      <p:sp>
+        <p:nvSpPr>
+          <p:cNvPr id="26" name="TextBox 25"/>
+          <p:cNvSpPr txBox="1"/>
+          <p:nvPr/>
+        </p:nvSpPr>
+        <p:spPr>
+          <a:xfrm>
+            <a:off x="1187188" y="4130505"/>
+            <a:ext cx="6942285" cy="369332"/>
+          </a:xfrm>
+          <a:prstGeom prst="rect">
+            <a:avLst/>
+          </a:prstGeom>
+          <a:noFill/>
+        </p:spPr>
+        <p:txBody>
+          <a:bodyPr wrap="none" rtlCol="0">
+            <a:spAutoFit/>
+          </a:bodyPr>
+          <a:lstStyle/>
+          <a:p>
+            <a:r>
+              <a:rPr lang="en-US" dirty="0" smtClean="0"/>
+              <a:t>- small amount of assembly code is required, everything else is in Python</a:t>
+            </a:r>
+            <a:endParaRPr lang="en-US" dirty="0"/>
+          </a:p>
+        </p:txBody>
+      </p:sp>
+      <p:sp>
+        <p:nvSpPr>
+          <p:cNvPr id="28" name="TextBox 27"/>
+          <p:cNvSpPr txBox="1"/>
+          <p:nvPr/>
+        </p:nvSpPr>
+        <p:spPr>
+          <a:xfrm>
+            <a:off x="1203663" y="4573427"/>
+            <a:ext cx="6818208" cy="646331"/>
+          </a:xfrm>
+          <a:prstGeom prst="rect">
+            <a:avLst/>
+          </a:prstGeom>
+          <a:noFill/>
+        </p:spPr>
+        <p:txBody>
+          <a:bodyPr wrap="square" rtlCol="0">
+            <a:spAutoFit/>
+          </a:bodyPr>
+          <a:lstStyle/>
+          <a:p>
+            <a:r>
+              <a:rPr lang="en-US" dirty="0" smtClean="0"/>
+              <a:t>- custom </a:t>
+            </a:r>
+            <a:r>
+              <a:rPr lang="en-US" dirty="0" err="1" smtClean="0"/>
+              <a:t>shader</a:t>
+            </a:r>
+            <a:r>
+              <a:rPr lang="en-US" dirty="0" err="1"/>
+              <a:t>s</a:t>
+            </a:r>
+            <a:r>
+              <a:rPr lang="en-US" dirty="0" smtClean="0"/>
+              <a:t> are easy to develop, there are translated to native machine code to achieve superb </a:t>
+            </a:r>
+            <a:r>
+              <a:rPr lang="en-US" dirty="0" err="1" smtClean="0"/>
+              <a:t>performanse</a:t>
+            </a:r>
+            <a:endParaRPr lang="en-US" dirty="0"/>
+          </a:p>
+        </p:txBody>
+      </p:sp>
+    </p:spTree>
+    <p:extLst>
+      <p:ext uri="{BB962C8B-B14F-4D97-AF65-F5344CB8AC3E}">
+        <p14:creationId xmlns:p14="http://schemas.microsoft.com/office/powerpoint/2010/main" val="3083198448"/>
+      </p:ext>
+    </p:extLst>
+  </p:cSld>
+  <p:clrMapOvr>
+    <a:masterClrMapping/>
+  </p:clrMapOvr>
+  <p:timing>
+    <p:tnLst>
+      <p:par>
+        <p:cTn id="1" dur="indefinite" restart="never" nodeType="tmRoot"/>
+      </p:par>
+    </p:tnLst>
+  </p:timing>
+</p:sld>
+</file>
+
+<file path=ppt/slides/slide4.xml><?xml version="1.0" encoding="utf-8"?>
+<p:sld xmlns:a="http://schemas.openxmlformats.org/drawingml/2006/main" xmlns:r="http://schemas.openxmlformats.org/officeDocument/2006/relationships" xmlns:p="http://schemas.openxmlformats.org/presentationml/2006/main">
+  <p:cSld>
+    <p:spTree>
+      <p:nvGrpSpPr>
+        <p:cNvPr id="1" name=""/>
+        <p:cNvGrpSpPr/>
+        <p:nvPr/>
+      </p:nvGrpSpPr>
+      <p:grpSpPr>
+        <a:xfrm>
+          <a:off x="0" y="0"/>
+          <a:ext cx="0" cy="0"/>
+          <a:chOff x="0" y="0"/>
+          <a:chExt cx="0" cy="0"/>
+        </a:xfrm>
+      </p:grpSpPr>
+      <p:sp>
+        <p:nvSpPr>
+          <p:cNvPr id="4" name="Rectangle 3"/>
+          <p:cNvSpPr/>
+          <p:nvPr/>
+        </p:nvSpPr>
+        <p:spPr>
+          <a:xfrm>
+            <a:off x="914400" y="419100"/>
+            <a:ext cx="7467600" cy="3124200"/>
+          </a:xfrm>
+          <a:prstGeom prst="rect">
+            <a:avLst/>
+          </a:prstGeom>
+        </p:spPr>
+        <p:style>
+          <a:lnRef idx="2">
+            <a:schemeClr val="accent1">
+              <a:shade val="50000"/>
+            </a:schemeClr>
+          </a:lnRef>
+          <a:fillRef idx="1">
+            <a:schemeClr val="accent1"/>
+          </a:fillRef>
+          <a:effectRef idx="0">
+            <a:schemeClr val="accent1"/>
+          </a:effectRef>
+          <a:fontRef idx="minor">
+            <a:schemeClr val="lt1"/>
+          </a:fontRef>
+        </p:style>
+        <p:txBody>
+          <a:bodyPr rtlCol="0" anchor="ctr"/>
+          <a:lstStyle/>
+          <a:p>
+            <a:pPr algn="ctr"/>
+            <a:endParaRPr lang="en-US" sz="3600" dirty="0"/>
+          </a:p>
+        </p:txBody>
+      </p:sp>
+      <p:sp>
+        <p:nvSpPr>
+          <p:cNvPr id="22" name="Rectangle 21"/>
+          <p:cNvSpPr/>
+          <p:nvPr/>
+        </p:nvSpPr>
+        <p:spPr>
+          <a:xfrm>
+            <a:off x="3048000" y="764959"/>
+            <a:ext cx="1295400" cy="609600"/>
+          </a:xfrm>
+          <a:prstGeom prst="rect">
+            <a:avLst/>
+          </a:prstGeom>
+        </p:spPr>
+        <p:style>
+          <a:lnRef idx="2">
+            <a:schemeClr val="accent2">
+              <a:shade val="50000"/>
+            </a:schemeClr>
+          </a:lnRef>
+          <a:fillRef idx="1">
+            <a:schemeClr val="accent2"/>
+          </a:fillRef>
+          <a:effectRef idx="0">
+            <a:schemeClr val="accent2"/>
+          </a:effectRef>
+          <a:fontRef idx="minor">
+            <a:schemeClr val="lt1"/>
+          </a:fontRef>
+        </p:style>
+        <p:txBody>
+          <a:bodyPr rtlCol="0" anchor="ctr"/>
+          <a:lstStyle/>
+          <a:p>
+            <a:pPr algn="ctr"/>
+            <a:r>
+              <a:rPr lang="en-US" dirty="0" smtClean="0"/>
+              <a:t>Shapes</a:t>
+            </a:r>
+            <a:endParaRPr lang="en-US" dirty="0"/>
+          </a:p>
+        </p:txBody>
+      </p:sp>
+      <p:sp>
+        <p:nvSpPr>
+          <p:cNvPr id="23" name="Rectangle 22"/>
+          <p:cNvSpPr/>
+          <p:nvPr/>
+        </p:nvSpPr>
+        <p:spPr>
+          <a:xfrm>
+            <a:off x="4495799" y="764959"/>
+            <a:ext cx="1419225" cy="606641"/>
+          </a:xfrm>
+          <a:prstGeom prst="rect">
+            <a:avLst/>
+          </a:prstGeom>
+        </p:spPr>
+        <p:style>
+          <a:lnRef idx="2">
+            <a:schemeClr val="accent2">
+              <a:shade val="50000"/>
+            </a:schemeClr>
+          </a:lnRef>
+          <a:fillRef idx="1">
+            <a:schemeClr val="accent2"/>
+          </a:fillRef>
+          <a:effectRef idx="0">
+            <a:schemeClr val="accent2"/>
+          </a:effectRef>
+          <a:fontRef idx="minor">
+            <a:schemeClr val="lt1"/>
+          </a:fontRef>
+        </p:style>
+        <p:txBody>
+          <a:bodyPr rtlCol="0" anchor="ctr"/>
+          <a:lstStyle/>
+          <a:p>
+            <a:pPr algn="ctr"/>
+            <a:r>
+              <a:rPr lang="en-US" dirty="0" smtClean="0"/>
+              <a:t>Cameras</a:t>
+            </a:r>
+            <a:endParaRPr lang="en-US" dirty="0"/>
+          </a:p>
+        </p:txBody>
+      </p:sp>
+      <p:sp>
+        <p:nvSpPr>
+          <p:cNvPr id="24" name="Rectangle 23"/>
+          <p:cNvSpPr/>
+          <p:nvPr/>
+        </p:nvSpPr>
+        <p:spPr>
+          <a:xfrm>
+            <a:off x="2571750" y="2667000"/>
+            <a:ext cx="4457700" cy="685800"/>
+          </a:xfrm>
+          <a:prstGeom prst="rect">
+            <a:avLst/>
+          </a:prstGeom>
+        </p:spPr>
+        <p:style>
+          <a:lnRef idx="3">
+            <a:schemeClr val="lt1"/>
+          </a:lnRef>
+          <a:fillRef idx="1">
+            <a:schemeClr val="accent1"/>
+          </a:fillRef>
+          <a:effectRef idx="1">
+            <a:schemeClr val="accent1"/>
+          </a:effectRef>
+          <a:fontRef idx="minor">
+            <a:schemeClr val="lt1"/>
+          </a:fontRef>
+        </p:style>
+        <p:txBody>
+          <a:bodyPr rtlCol="0" anchor="ctr"/>
+          <a:lstStyle/>
+          <a:p>
+            <a:pPr algn="ctr"/>
+            <a:r>
+              <a:rPr lang="en-US" sz="2800" dirty="0" err="1"/>
+              <a:t>r</a:t>
+            </a:r>
+            <a:r>
+              <a:rPr lang="en-US" sz="2800" dirty="0" err="1" smtClean="0"/>
+              <a:t>enmas</a:t>
+            </a:r>
+            <a:r>
+              <a:rPr lang="en-US" sz="2800" dirty="0" smtClean="0"/>
+              <a:t> framework</a:t>
+            </a:r>
+            <a:endParaRPr lang="en-US" sz="2800" dirty="0"/>
+          </a:p>
+        </p:txBody>
+      </p:sp>
+      <p:sp>
+        <p:nvSpPr>
+          <p:cNvPr id="25" name="Rectangle 24"/>
+          <p:cNvSpPr/>
+          <p:nvPr/>
+        </p:nvSpPr>
+        <p:spPr>
+          <a:xfrm>
+            <a:off x="6096000" y="762000"/>
+            <a:ext cx="2057400" cy="762000"/>
+          </a:xfrm>
+          <a:prstGeom prst="rect">
+            <a:avLst/>
+          </a:prstGeom>
+        </p:spPr>
+        <p:style>
+          <a:lnRef idx="2">
+            <a:schemeClr val="accent2">
+              <a:shade val="50000"/>
+            </a:schemeClr>
+          </a:lnRef>
+          <a:fillRef idx="1">
+            <a:schemeClr val="accent2"/>
+          </a:fillRef>
+          <a:effectRef idx="0">
+            <a:schemeClr val="accent2"/>
+          </a:effectRef>
+          <a:fontRef idx="minor">
+            <a:schemeClr val="lt1"/>
+          </a:fontRef>
+        </p:style>
+        <p:txBody>
+          <a:bodyPr rtlCol="0" anchor="ctr"/>
+          <a:lstStyle/>
+          <a:p>
+            <a:pPr algn="ctr"/>
+            <a:r>
+              <a:rPr lang="en-US" dirty="0" err="1" smtClean="0"/>
+              <a:t>Blitter</a:t>
+            </a:r>
+            <a:r>
+              <a:rPr lang="en-US" dirty="0" smtClean="0"/>
+              <a:t> with </a:t>
+            </a:r>
+            <a:r>
+              <a:rPr lang="en-US" dirty="0" err="1" smtClean="0"/>
+              <a:t>ToneMapping</a:t>
+            </a:r>
+            <a:endParaRPr lang="en-US" dirty="0"/>
+          </a:p>
+        </p:txBody>
+      </p:sp>
+      <p:sp>
+        <p:nvSpPr>
+          <p:cNvPr id="26" name="Rectangle 25"/>
+          <p:cNvSpPr/>
+          <p:nvPr/>
+        </p:nvSpPr>
+        <p:spPr>
+          <a:xfrm>
+            <a:off x="1333500" y="1752600"/>
+            <a:ext cx="1485900" cy="457200"/>
+          </a:xfrm>
+          <a:prstGeom prst="rect">
+            <a:avLst/>
+          </a:prstGeom>
+        </p:spPr>
+        <p:style>
+          <a:lnRef idx="2">
+            <a:schemeClr val="accent2">
+              <a:shade val="50000"/>
+            </a:schemeClr>
+          </a:lnRef>
+          <a:fillRef idx="1">
+            <a:schemeClr val="accent2"/>
+          </a:fillRef>
+          <a:effectRef idx="0">
+            <a:schemeClr val="accent2"/>
+          </a:effectRef>
+          <a:fontRef idx="minor">
+            <a:schemeClr val="lt1"/>
+          </a:fontRef>
+        </p:style>
+        <p:txBody>
+          <a:bodyPr rtlCol="0" anchor="ctr"/>
+          <a:lstStyle/>
+          <a:p>
+            <a:pPr algn="ctr"/>
+            <a:r>
+              <a:rPr lang="en-US" dirty="0" smtClean="0"/>
+              <a:t>Samplers</a:t>
+            </a:r>
+            <a:endParaRPr lang="en-US" dirty="0"/>
+          </a:p>
+        </p:txBody>
+      </p:sp>
+      <p:sp>
+        <p:nvSpPr>
+          <p:cNvPr id="27" name="Rectangle 26"/>
+          <p:cNvSpPr/>
+          <p:nvPr/>
+        </p:nvSpPr>
+        <p:spPr>
+          <a:xfrm>
+            <a:off x="3165259" y="1757039"/>
+            <a:ext cx="1635341" cy="452761"/>
+          </a:xfrm>
+          <a:prstGeom prst="rect">
+            <a:avLst/>
+          </a:prstGeom>
+        </p:spPr>
+        <p:style>
+          <a:lnRef idx="2">
+            <a:schemeClr val="accent2">
+              <a:shade val="50000"/>
+            </a:schemeClr>
+          </a:lnRef>
+          <a:fillRef idx="1">
+            <a:schemeClr val="accent2"/>
+          </a:fillRef>
+          <a:effectRef idx="0">
+            <a:schemeClr val="accent2"/>
+          </a:effectRef>
+          <a:fontRef idx="minor">
+            <a:schemeClr val="lt1"/>
+          </a:fontRef>
+        </p:style>
+        <p:txBody>
+          <a:bodyPr rtlCol="0" anchor="ctr"/>
+          <a:lstStyle/>
+          <a:p>
+            <a:pPr algn="ctr"/>
+            <a:r>
+              <a:rPr lang="en-US" dirty="0" smtClean="0"/>
+              <a:t>Filters</a:t>
+            </a:r>
+            <a:endParaRPr lang="en-US" dirty="0"/>
+          </a:p>
+        </p:txBody>
+      </p:sp>
+      <p:sp>
+        <p:nvSpPr>
+          <p:cNvPr id="28" name="Rectangle 27"/>
+          <p:cNvSpPr/>
+          <p:nvPr/>
+        </p:nvSpPr>
+        <p:spPr>
+          <a:xfrm>
+            <a:off x="5105400" y="1757039"/>
+            <a:ext cx="1066800" cy="457200"/>
+          </a:xfrm>
+          <a:prstGeom prst="rect">
+            <a:avLst/>
+          </a:prstGeom>
+        </p:spPr>
+        <p:style>
+          <a:lnRef idx="2">
+            <a:schemeClr val="accent2">
+              <a:shade val="50000"/>
+            </a:schemeClr>
+          </a:lnRef>
+          <a:fillRef idx="1">
+            <a:schemeClr val="accent2"/>
+          </a:fillRef>
+          <a:effectRef idx="0">
+            <a:schemeClr val="accent2"/>
+          </a:effectRef>
+          <a:fontRef idx="minor">
+            <a:schemeClr val="lt1"/>
+          </a:fontRef>
+        </p:style>
+        <p:txBody>
+          <a:bodyPr rtlCol="0" anchor="ctr"/>
+          <a:lstStyle/>
+          <a:p>
+            <a:pPr algn="ctr"/>
+            <a:r>
+              <a:rPr lang="en-US" dirty="0" smtClean="0"/>
+              <a:t>Lights</a:t>
+            </a:r>
+          </a:p>
+        </p:txBody>
+      </p:sp>
+      <p:sp>
+        <p:nvSpPr>
+          <p:cNvPr id="29" name="Rectangle 28"/>
+          <p:cNvSpPr/>
+          <p:nvPr/>
+        </p:nvSpPr>
+        <p:spPr>
+          <a:xfrm>
+            <a:off x="6324601" y="1696375"/>
+            <a:ext cx="1828800" cy="517864"/>
+          </a:xfrm>
+          <a:prstGeom prst="rect">
+            <a:avLst/>
+          </a:prstGeom>
+        </p:spPr>
+        <p:style>
+          <a:lnRef idx="2">
+            <a:schemeClr val="accent2">
+              <a:shade val="50000"/>
+            </a:schemeClr>
+          </a:lnRef>
+          <a:fillRef idx="1">
+            <a:schemeClr val="accent2"/>
+          </a:fillRef>
+          <a:effectRef idx="0">
+            <a:schemeClr val="accent2"/>
+          </a:effectRef>
+          <a:fontRef idx="minor">
+            <a:schemeClr val="lt1"/>
+          </a:fontRef>
+        </p:style>
+        <p:txBody>
+          <a:bodyPr rtlCol="0" anchor="ctr"/>
+          <a:lstStyle/>
+          <a:p>
+            <a:pPr algn="ctr"/>
+            <a:r>
+              <a:rPr lang="en-US" dirty="0" smtClean="0"/>
+              <a:t>Materials System</a:t>
+            </a:r>
+            <a:endParaRPr lang="en-US" dirty="0"/>
+          </a:p>
+        </p:txBody>
+      </p:sp>
+      <p:sp>
+        <p:nvSpPr>
+          <p:cNvPr id="30" name="Rectangle 29"/>
+          <p:cNvSpPr/>
+          <p:nvPr/>
+        </p:nvSpPr>
+        <p:spPr>
+          <a:xfrm>
+            <a:off x="1117846" y="762000"/>
+            <a:ext cx="1549153" cy="612559"/>
+          </a:xfrm>
+          <a:prstGeom prst="rect">
+            <a:avLst/>
+          </a:prstGeom>
+        </p:spPr>
+        <p:style>
+          <a:lnRef idx="2">
+            <a:schemeClr val="accent2">
+              <a:shade val="50000"/>
+            </a:schemeClr>
+          </a:lnRef>
+          <a:fillRef idx="1">
+            <a:schemeClr val="accent2"/>
+          </a:fillRef>
+          <a:effectRef idx="0">
+            <a:schemeClr val="accent2"/>
+          </a:effectRef>
+          <a:fontRef idx="minor">
+            <a:schemeClr val="lt1"/>
+          </a:fontRef>
+        </p:style>
+        <p:txBody>
+          <a:bodyPr rtlCol="0" anchor="ctr"/>
+          <a:lstStyle/>
+          <a:p>
+            <a:pPr algn="ctr"/>
+            <a:r>
+              <a:rPr lang="en-US" dirty="0" smtClean="0"/>
+              <a:t>Utility Classes</a:t>
+            </a:r>
+            <a:endParaRPr lang="en-US" dirty="0"/>
+          </a:p>
+        </p:txBody>
+      </p:sp>
+      <p:sp>
+        <p:nvSpPr>
+          <p:cNvPr id="31" name="TextBox 30"/>
+          <p:cNvSpPr txBox="1"/>
+          <p:nvPr/>
+        </p:nvSpPr>
+        <p:spPr>
+          <a:xfrm>
+            <a:off x="914400" y="4101483"/>
+            <a:ext cx="6387390" cy="369332"/>
+          </a:xfrm>
+          <a:prstGeom prst="rect">
+            <a:avLst/>
+          </a:prstGeom>
+          <a:noFill/>
+        </p:spPr>
+        <p:txBody>
+          <a:bodyPr wrap="none" rtlCol="0">
+            <a:spAutoFit/>
+          </a:bodyPr>
+          <a:lstStyle/>
+          <a:p>
+            <a:r>
+              <a:rPr lang="en-US" dirty="0" smtClean="0"/>
+              <a:t>- on picture we see some main components of </a:t>
+            </a:r>
+            <a:r>
+              <a:rPr lang="en-US" dirty="0" err="1" smtClean="0"/>
+              <a:t>renmas</a:t>
+            </a:r>
+            <a:r>
+              <a:rPr lang="en-US" dirty="0" smtClean="0"/>
+              <a:t> framework</a:t>
+            </a:r>
+            <a:endParaRPr lang="en-US" dirty="0"/>
+          </a:p>
+        </p:txBody>
+      </p:sp>
+      <p:sp>
+        <p:nvSpPr>
+          <p:cNvPr id="32" name="TextBox 31"/>
+          <p:cNvSpPr txBox="1"/>
+          <p:nvPr/>
+        </p:nvSpPr>
+        <p:spPr>
+          <a:xfrm>
+            <a:off x="914400" y="4470815"/>
+            <a:ext cx="5258876" cy="369332"/>
+          </a:xfrm>
+          <a:prstGeom prst="rect">
+            <a:avLst/>
+          </a:prstGeom>
+          <a:noFill/>
+        </p:spPr>
+        <p:txBody>
+          <a:bodyPr wrap="none" rtlCol="0">
+            <a:spAutoFit/>
+          </a:bodyPr>
+          <a:lstStyle/>
+          <a:p>
+            <a:r>
+              <a:rPr lang="en-US" dirty="0" smtClean="0"/>
+              <a:t>- almost every component have well defined interface</a:t>
+            </a:r>
+            <a:endParaRPr lang="en-US" dirty="0"/>
+          </a:p>
+        </p:txBody>
+      </p:sp>
+    </p:spTree>
+    <p:extLst>
+      <p:ext uri="{BB962C8B-B14F-4D97-AF65-F5344CB8AC3E}">
+        <p14:creationId xmlns:p14="http://schemas.microsoft.com/office/powerpoint/2010/main" val="4016241378"/>
+      </p:ext>
+    </p:extLst>
+  </p:cSld>
+  <p:clrMapOvr>
+    <a:masterClrMapping/>
+  </p:clrMapOvr>
+  <p:timing>
+    <p:tnLst>
+      <p:par>
+        <p:cTn id="1" dur="indefinite" restart="never" nodeType="tmRoot"/>
+      </p:par>
+    </p:tnLst>
+  </p:timing>
+</p:sld>
+</file>
+
+<file path=ppt/slides/slide5.xml><?xml version="1.0" encoding="utf-8"?>
+<p:sld xmlns:a="http://schemas.openxmlformats.org/drawingml/2006/main" xmlns:r="http://schemas.openxmlformats.org/officeDocument/2006/relationships" xmlns:p="http://schemas.openxmlformats.org/presentationml/2006/main">
+  <p:cSld>
+    <p:spTree>
+      <p:nvGrpSpPr>
+        <p:cNvPr id="1" name=""/>
+        <p:cNvGrpSpPr/>
+        <p:nvPr/>
+      </p:nvGrpSpPr>
+      <p:grpSpPr>
+        <a:xfrm>
+          <a:off x="0" y="0"/>
+          <a:ext cx="0" cy="0"/>
+          <a:chOff x="0" y="0"/>
+          <a:chExt cx="0" cy="0"/>
+        </a:xfrm>
+      </p:grpSpPr>
+      <p:sp>
+        <p:nvSpPr>
+          <p:cNvPr id="4" name="Rectangle 3"/>
+          <p:cNvSpPr/>
+          <p:nvPr/>
+        </p:nvSpPr>
+        <p:spPr>
+          <a:xfrm>
+            <a:off x="914400" y="419100"/>
+            <a:ext cx="7467600" cy="1333500"/>
+          </a:xfrm>
+          <a:prstGeom prst="rect">
+            <a:avLst/>
+          </a:prstGeom>
+        </p:spPr>
+        <p:style>
+          <a:lnRef idx="2">
+            <a:schemeClr val="accent1">
+              <a:shade val="50000"/>
+            </a:schemeClr>
+          </a:lnRef>
+          <a:fillRef idx="1">
+            <a:schemeClr val="accent1"/>
+          </a:fillRef>
+          <a:effectRef idx="0">
+            <a:schemeClr val="accent1"/>
+          </a:effectRef>
+          <a:fontRef idx="minor">
+            <a:schemeClr val="lt1"/>
+          </a:fontRef>
+        </p:style>
+        <p:txBody>
+          <a:bodyPr rtlCol="0" anchor="ctr"/>
+          <a:lstStyle/>
+          <a:p>
+            <a:pPr algn="ctr"/>
+            <a:endParaRPr lang="en-US" sz="3600" dirty="0"/>
+          </a:p>
+        </p:txBody>
+      </p:sp>
+      <p:sp>
+        <p:nvSpPr>
+          <p:cNvPr id="5" name="Rectangle 4"/>
+          <p:cNvSpPr/>
+          <p:nvPr/>
+        </p:nvSpPr>
+        <p:spPr>
+          <a:xfrm>
+            <a:off x="1371600" y="748313"/>
+            <a:ext cx="1295400" cy="609600"/>
+          </a:xfrm>
+          <a:prstGeom prst="rect">
+            <a:avLst/>
+          </a:prstGeom>
+        </p:spPr>
+        <p:style>
+          <a:lnRef idx="2">
+            <a:schemeClr val="accent2">
+              <a:shade val="50000"/>
+            </a:schemeClr>
+          </a:lnRef>
+          <a:fillRef idx="1">
+            <a:schemeClr val="accent2"/>
+          </a:fillRef>
+          <a:effectRef idx="0">
+            <a:schemeClr val="accent2"/>
+          </a:effectRef>
+          <a:fontRef idx="minor">
+            <a:schemeClr val="lt1"/>
+          </a:fontRef>
+        </p:style>
+        <p:txBody>
+          <a:bodyPr rtlCol="0" anchor="ctr"/>
+          <a:lstStyle/>
+          <a:p>
+            <a:pPr algn="ctr"/>
+            <a:r>
+              <a:rPr lang="en-US" dirty="0" smtClean="0"/>
+              <a:t>Shapes</a:t>
+            </a:r>
+            <a:endParaRPr lang="en-US" dirty="0"/>
+          </a:p>
+        </p:txBody>
+      </p:sp>
+      <p:sp>
+        <p:nvSpPr>
+          <p:cNvPr id="7" name="Rectangle 6"/>
+          <p:cNvSpPr/>
+          <p:nvPr/>
+        </p:nvSpPr>
+        <p:spPr>
+          <a:xfrm>
+            <a:off x="3707537" y="748313"/>
+            <a:ext cx="4457700" cy="685800"/>
+          </a:xfrm>
+          <a:prstGeom prst="rect">
+            <a:avLst/>
+          </a:prstGeom>
+        </p:spPr>
+        <p:style>
+          <a:lnRef idx="3">
+            <a:schemeClr val="lt1"/>
+          </a:lnRef>
+          <a:fillRef idx="1">
+            <a:schemeClr val="accent1"/>
+          </a:fillRef>
+          <a:effectRef idx="1">
+            <a:schemeClr val="accent1"/>
+          </a:effectRef>
+          <a:fontRef idx="minor">
+            <a:schemeClr val="lt1"/>
+          </a:fontRef>
+        </p:style>
+        <p:txBody>
+          <a:bodyPr rtlCol="0" anchor="ctr"/>
+          <a:lstStyle/>
+          <a:p>
+            <a:pPr algn="ctr"/>
+            <a:r>
+              <a:rPr lang="en-US" sz="2800" dirty="0" err="1"/>
+              <a:t>r</a:t>
+            </a:r>
+            <a:r>
+              <a:rPr lang="en-US" sz="2800" dirty="0" err="1" smtClean="0"/>
+              <a:t>enmas</a:t>
+            </a:r>
+            <a:r>
+              <a:rPr lang="en-US" sz="2800" dirty="0" smtClean="0"/>
+              <a:t> framework</a:t>
+            </a:r>
+            <a:endParaRPr lang="en-US" sz="2800" dirty="0"/>
+          </a:p>
+        </p:txBody>
+      </p:sp>
+      <p:sp>
+        <p:nvSpPr>
+          <p:cNvPr id="14" name="TextBox 13"/>
+          <p:cNvSpPr txBox="1"/>
+          <p:nvPr/>
+        </p:nvSpPr>
+        <p:spPr>
+          <a:xfrm>
+            <a:off x="914400" y="2057400"/>
+            <a:ext cx="5662961" cy="369332"/>
+          </a:xfrm>
+          <a:prstGeom prst="rect">
+            <a:avLst/>
+          </a:prstGeom>
+          <a:noFill/>
+        </p:spPr>
+        <p:txBody>
+          <a:bodyPr wrap="none" rtlCol="0">
+            <a:spAutoFit/>
+          </a:bodyPr>
+          <a:lstStyle/>
+          <a:p>
+            <a:r>
+              <a:rPr lang="en-US" dirty="0" smtClean="0"/>
+              <a:t>-we don’t need abstract base class because we use Python</a:t>
+            </a:r>
+            <a:endParaRPr lang="en-US" dirty="0"/>
+          </a:p>
+        </p:txBody>
+      </p:sp>
+      <p:sp>
+        <p:nvSpPr>
+          <p:cNvPr id="15" name="TextBox 14"/>
+          <p:cNvSpPr txBox="1"/>
+          <p:nvPr/>
+        </p:nvSpPr>
+        <p:spPr>
+          <a:xfrm>
+            <a:off x="914400" y="2445967"/>
+            <a:ext cx="5096010" cy="369332"/>
+          </a:xfrm>
+          <a:prstGeom prst="rect">
+            <a:avLst/>
+          </a:prstGeom>
+          <a:noFill/>
+        </p:spPr>
+        <p:txBody>
+          <a:bodyPr wrap="none" rtlCol="0">
+            <a:spAutoFit/>
+          </a:bodyPr>
+          <a:lstStyle/>
+          <a:p>
+            <a:r>
+              <a:rPr lang="en-US" dirty="0" smtClean="0"/>
+              <a:t>-Every shape </a:t>
+            </a:r>
+            <a:r>
+              <a:rPr lang="en-US" dirty="0" smtClean="0"/>
+              <a:t>instance </a:t>
+            </a:r>
+            <a:r>
+              <a:rPr lang="en-US" dirty="0" smtClean="0"/>
+              <a:t>must have following methods:</a:t>
+            </a:r>
+            <a:endParaRPr lang="en-US" dirty="0"/>
+          </a:p>
+        </p:txBody>
+      </p:sp>
+      <p:sp>
+        <p:nvSpPr>
+          <p:cNvPr id="16" name="TextBox 15"/>
+          <p:cNvSpPr txBox="1"/>
+          <p:nvPr/>
+        </p:nvSpPr>
+        <p:spPr>
+          <a:xfrm>
+            <a:off x="1052137" y="2939534"/>
+            <a:ext cx="1954446" cy="369332"/>
+          </a:xfrm>
+          <a:prstGeom prst="rect">
+            <a:avLst/>
+          </a:prstGeom>
+          <a:noFill/>
+        </p:spPr>
+        <p:txBody>
+          <a:bodyPr wrap="none" rtlCol="0">
+            <a:spAutoFit/>
+          </a:bodyPr>
+          <a:lstStyle/>
+          <a:p>
+            <a:r>
+              <a:rPr lang="en-US" i="1" dirty="0" err="1" smtClean="0"/>
+              <a:t>isect</a:t>
+            </a:r>
+            <a:r>
+              <a:rPr lang="en-US" i="1" dirty="0" smtClean="0"/>
+              <a:t>(ray, </a:t>
+            </a:r>
+            <a:r>
+              <a:rPr lang="en-US" i="1" dirty="0" err="1" smtClean="0"/>
+              <a:t>min_dist</a:t>
+            </a:r>
+            <a:r>
+              <a:rPr lang="en-US" i="1" dirty="0" smtClean="0"/>
+              <a:t>)</a:t>
+            </a:r>
+            <a:endParaRPr lang="en-US" i="1" dirty="0"/>
+          </a:p>
+        </p:txBody>
+      </p:sp>
+      <p:sp>
+        <p:nvSpPr>
+          <p:cNvPr id="17" name="TextBox 16"/>
+          <p:cNvSpPr txBox="1"/>
+          <p:nvPr/>
+        </p:nvSpPr>
+        <p:spPr>
+          <a:xfrm>
+            <a:off x="3429000" y="2939534"/>
+            <a:ext cx="2973891" cy="369332"/>
+          </a:xfrm>
+          <a:prstGeom prst="rect">
+            <a:avLst/>
+          </a:prstGeom>
+          <a:noFill/>
+        </p:spPr>
+        <p:txBody>
+          <a:bodyPr wrap="none" rtlCol="0">
+            <a:spAutoFit/>
+          </a:bodyPr>
+          <a:lstStyle/>
+          <a:p>
+            <a:r>
+              <a:rPr lang="en-US" dirty="0" smtClean="0"/>
+              <a:t>-intersection of shape and ray</a:t>
+            </a:r>
+            <a:endParaRPr lang="en-US" dirty="0"/>
+          </a:p>
+        </p:txBody>
+      </p:sp>
+      <p:sp>
+        <p:nvSpPr>
+          <p:cNvPr id="18" name="TextBox 17"/>
+          <p:cNvSpPr txBox="1"/>
+          <p:nvPr/>
+        </p:nvSpPr>
+        <p:spPr>
+          <a:xfrm>
+            <a:off x="704166" y="6015531"/>
+            <a:ext cx="4131516" cy="369332"/>
+          </a:xfrm>
+          <a:prstGeom prst="rect">
+            <a:avLst/>
+          </a:prstGeom>
+          <a:noFill/>
+        </p:spPr>
+        <p:txBody>
+          <a:bodyPr wrap="none" rtlCol="0">
+            <a:spAutoFit/>
+          </a:bodyPr>
+          <a:lstStyle/>
+          <a:p>
+            <a:r>
+              <a:rPr lang="en-US" i="1" dirty="0" err="1" smtClean="0"/>
+              <a:t>isect_asm</a:t>
+            </a:r>
+            <a:r>
+              <a:rPr lang="en-US" i="1" dirty="0" smtClean="0"/>
+              <a:t>(runtime,  </a:t>
+            </a:r>
+            <a:r>
+              <a:rPr lang="en-US" i="1" dirty="0" err="1" smtClean="0"/>
+              <a:t>label,populate</a:t>
+            </a:r>
+            <a:r>
+              <a:rPr lang="en-US" i="1" dirty="0" smtClean="0"/>
+              <a:t>=True ) </a:t>
+            </a:r>
+            <a:endParaRPr lang="en-US" i="1" dirty="0"/>
+          </a:p>
+        </p:txBody>
+      </p:sp>
+      <p:sp>
+        <p:nvSpPr>
+          <p:cNvPr id="20" name="TextBox 19"/>
+          <p:cNvSpPr txBox="1"/>
+          <p:nvPr/>
+        </p:nvSpPr>
+        <p:spPr>
+          <a:xfrm>
+            <a:off x="1052137" y="3293784"/>
+            <a:ext cx="786113" cy="369332"/>
+          </a:xfrm>
+          <a:prstGeom prst="rect">
+            <a:avLst/>
+          </a:prstGeom>
+          <a:noFill/>
+        </p:spPr>
+        <p:txBody>
+          <a:bodyPr wrap="none" rtlCol="0">
+            <a:spAutoFit/>
+          </a:bodyPr>
+          <a:lstStyle/>
+          <a:p>
+            <a:r>
+              <a:rPr lang="en-US" i="1" dirty="0" err="1"/>
+              <a:t>b</a:t>
+            </a:r>
+            <a:r>
+              <a:rPr lang="en-US" i="1" dirty="0" err="1" smtClean="0"/>
+              <a:t>box</a:t>
+            </a:r>
+            <a:r>
+              <a:rPr lang="en-US" dirty="0" smtClean="0"/>
+              <a:t>()</a:t>
+            </a:r>
+            <a:endParaRPr lang="en-US" dirty="0"/>
+          </a:p>
+        </p:txBody>
+      </p:sp>
+      <p:sp>
+        <p:nvSpPr>
+          <p:cNvPr id="21" name="TextBox 20"/>
+          <p:cNvSpPr txBox="1"/>
+          <p:nvPr/>
+        </p:nvSpPr>
+        <p:spPr>
+          <a:xfrm>
+            <a:off x="3441577" y="3265217"/>
+            <a:ext cx="3042115" cy="369332"/>
+          </a:xfrm>
+          <a:prstGeom prst="rect">
+            <a:avLst/>
+          </a:prstGeom>
+          <a:noFill/>
+        </p:spPr>
+        <p:txBody>
+          <a:bodyPr wrap="none" rtlCol="0">
+            <a:spAutoFit/>
+          </a:bodyPr>
+          <a:lstStyle/>
+          <a:p>
+            <a:r>
+              <a:rPr lang="en-US" dirty="0" smtClean="0"/>
+              <a:t>-return bounding box of shape</a:t>
+            </a:r>
+            <a:endParaRPr lang="en-US" dirty="0"/>
+          </a:p>
+        </p:txBody>
+      </p:sp>
+      <p:sp>
+        <p:nvSpPr>
+          <p:cNvPr id="22" name="TextBox 21"/>
+          <p:cNvSpPr txBox="1"/>
+          <p:nvPr/>
+        </p:nvSpPr>
+        <p:spPr>
+          <a:xfrm>
+            <a:off x="1070503" y="5633622"/>
+            <a:ext cx="5350754" cy="369332"/>
+          </a:xfrm>
+          <a:prstGeom prst="rect">
+            <a:avLst/>
+          </a:prstGeom>
+          <a:noFill/>
+        </p:spPr>
+        <p:txBody>
+          <a:bodyPr wrap="square" rtlCol="0">
+            <a:spAutoFit/>
+          </a:bodyPr>
+          <a:lstStyle/>
+          <a:p>
+            <a:r>
+              <a:rPr lang="en-US" dirty="0" smtClean="0"/>
+              <a:t>- methods for generating machine code</a:t>
+            </a:r>
+            <a:endParaRPr lang="en-US" dirty="0"/>
+          </a:p>
+        </p:txBody>
+      </p:sp>
+      <p:sp>
+        <p:nvSpPr>
+          <p:cNvPr id="24" name="TextBox 23"/>
+          <p:cNvSpPr txBox="1"/>
+          <p:nvPr/>
+        </p:nvSpPr>
+        <p:spPr>
+          <a:xfrm>
+            <a:off x="4845299" y="6015531"/>
+            <a:ext cx="3615918" cy="369332"/>
+          </a:xfrm>
+          <a:prstGeom prst="rect">
+            <a:avLst/>
+          </a:prstGeom>
+          <a:noFill/>
+        </p:spPr>
+        <p:txBody>
+          <a:bodyPr wrap="square" rtlCol="0">
+            <a:spAutoFit/>
+          </a:bodyPr>
+          <a:lstStyle/>
+          <a:p>
+            <a:r>
+              <a:rPr lang="en-US" dirty="0" smtClean="0"/>
+              <a:t>-intersection of shape and </a:t>
+            </a:r>
+            <a:r>
+              <a:rPr lang="en-US" dirty="0" smtClean="0"/>
+              <a:t>ray</a:t>
+            </a:r>
+            <a:endParaRPr lang="en-US" dirty="0"/>
+          </a:p>
+        </p:txBody>
+      </p:sp>
+      <p:sp>
+        <p:nvSpPr>
+          <p:cNvPr id="3" name="TextBox 2"/>
+          <p:cNvSpPr txBox="1"/>
+          <p:nvPr/>
+        </p:nvSpPr>
+        <p:spPr>
+          <a:xfrm>
+            <a:off x="914400" y="4485042"/>
+            <a:ext cx="1632563" cy="369332"/>
+          </a:xfrm>
+          <a:prstGeom prst="rect">
+            <a:avLst/>
+          </a:prstGeom>
+          <a:noFill/>
+        </p:spPr>
+        <p:txBody>
+          <a:bodyPr wrap="none" rtlCol="0">
+            <a:spAutoFit/>
+          </a:bodyPr>
+          <a:lstStyle/>
+          <a:p>
+            <a:r>
+              <a:rPr lang="en-US" dirty="0" smtClean="0"/>
+              <a:t>- </a:t>
+            </a:r>
+            <a:r>
+              <a:rPr lang="en-US" dirty="0"/>
+              <a:t>c</a:t>
+            </a:r>
+            <a:r>
+              <a:rPr lang="en-US" dirty="0" smtClean="0"/>
+              <a:t>lass methods</a:t>
+            </a:r>
+            <a:endParaRPr lang="en-US" dirty="0"/>
+          </a:p>
+        </p:txBody>
+      </p:sp>
+      <p:sp>
+        <p:nvSpPr>
+          <p:cNvPr id="6" name="TextBox 5"/>
+          <p:cNvSpPr txBox="1"/>
+          <p:nvPr/>
+        </p:nvSpPr>
+        <p:spPr>
+          <a:xfrm>
+            <a:off x="980323" y="4871791"/>
+            <a:ext cx="857927" cy="369332"/>
+          </a:xfrm>
+          <a:prstGeom prst="rect">
+            <a:avLst/>
+          </a:prstGeom>
+          <a:noFill/>
+        </p:spPr>
+        <p:txBody>
+          <a:bodyPr wrap="none" rtlCol="0">
+            <a:spAutoFit/>
+          </a:bodyPr>
+          <a:lstStyle/>
+          <a:p>
+            <a:r>
+              <a:rPr lang="en-US" i="1" dirty="0"/>
+              <a:t>n</a:t>
+            </a:r>
+            <a:r>
+              <a:rPr lang="en-US" i="1" dirty="0" smtClean="0"/>
+              <a:t>ame()</a:t>
+            </a:r>
+            <a:endParaRPr lang="en-US" i="1" dirty="0"/>
+          </a:p>
+        </p:txBody>
+      </p:sp>
+      <p:sp>
+        <p:nvSpPr>
+          <p:cNvPr id="8" name="TextBox 7"/>
+          <p:cNvSpPr txBox="1"/>
+          <p:nvPr/>
+        </p:nvSpPr>
+        <p:spPr>
+          <a:xfrm>
+            <a:off x="1905000" y="4854374"/>
+            <a:ext cx="4823243" cy="369332"/>
+          </a:xfrm>
+          <a:prstGeom prst="rect">
+            <a:avLst/>
+          </a:prstGeom>
+          <a:noFill/>
+        </p:spPr>
+        <p:txBody>
+          <a:bodyPr wrap="none" rtlCol="0">
+            <a:spAutoFit/>
+          </a:bodyPr>
+          <a:lstStyle/>
+          <a:p>
+            <a:r>
+              <a:rPr lang="en-US" dirty="0" smtClean="0"/>
+              <a:t>- return name </a:t>
+            </a:r>
+            <a:r>
+              <a:rPr lang="en-US" dirty="0" err="1" smtClean="0"/>
+              <a:t>struct</a:t>
+            </a:r>
+            <a:r>
+              <a:rPr lang="en-US" dirty="0"/>
+              <a:t> </a:t>
+            </a:r>
+            <a:r>
+              <a:rPr lang="en-US" dirty="0" smtClean="0"/>
+              <a:t>that holds data for the class </a:t>
+            </a:r>
+            <a:endParaRPr lang="en-US" dirty="0"/>
+          </a:p>
+        </p:txBody>
+      </p:sp>
+      <p:sp>
+        <p:nvSpPr>
+          <p:cNvPr id="9" name="TextBox 8"/>
+          <p:cNvSpPr txBox="1"/>
+          <p:nvPr/>
+        </p:nvSpPr>
+        <p:spPr>
+          <a:xfrm>
+            <a:off x="980323" y="5264290"/>
+            <a:ext cx="860172" cy="369332"/>
+          </a:xfrm>
+          <a:prstGeom prst="rect">
+            <a:avLst/>
+          </a:prstGeom>
+          <a:noFill/>
+        </p:spPr>
+        <p:txBody>
+          <a:bodyPr wrap="none" rtlCol="0">
+            <a:spAutoFit/>
+          </a:bodyPr>
+          <a:lstStyle/>
+          <a:p>
+            <a:r>
+              <a:rPr lang="en-US" i="1" dirty="0" err="1"/>
+              <a:t>s</a:t>
+            </a:r>
+            <a:r>
+              <a:rPr lang="en-US" i="1" dirty="0" err="1" smtClean="0"/>
+              <a:t>truct</a:t>
+            </a:r>
+            <a:r>
+              <a:rPr lang="en-US" i="1" dirty="0" smtClean="0"/>
+              <a:t>()</a:t>
+            </a:r>
+            <a:endParaRPr lang="en-US" i="1" dirty="0"/>
+          </a:p>
+        </p:txBody>
+      </p:sp>
+      <p:sp>
+        <p:nvSpPr>
+          <p:cNvPr id="10" name="TextBox 9"/>
+          <p:cNvSpPr txBox="1"/>
+          <p:nvPr/>
+        </p:nvSpPr>
+        <p:spPr>
+          <a:xfrm>
+            <a:off x="1988941" y="5273168"/>
+            <a:ext cx="2521011" cy="369332"/>
+          </a:xfrm>
+          <a:prstGeom prst="rect">
+            <a:avLst/>
+          </a:prstGeom>
+          <a:noFill/>
+        </p:spPr>
+        <p:txBody>
+          <a:bodyPr wrap="none" rtlCol="0">
+            <a:spAutoFit/>
+          </a:bodyPr>
+          <a:lstStyle/>
+          <a:p>
+            <a:r>
+              <a:rPr lang="en-US" dirty="0" smtClean="0"/>
+              <a:t>- return Structure object </a:t>
+            </a:r>
+            <a:endParaRPr lang="en-US" dirty="0"/>
+          </a:p>
+        </p:txBody>
+      </p:sp>
+      <p:sp>
+        <p:nvSpPr>
+          <p:cNvPr id="11" name="TextBox 10"/>
+          <p:cNvSpPr txBox="1"/>
+          <p:nvPr/>
+        </p:nvSpPr>
+        <p:spPr>
+          <a:xfrm>
+            <a:off x="1070503" y="3682351"/>
+            <a:ext cx="1241174" cy="369332"/>
+          </a:xfrm>
+          <a:prstGeom prst="rect">
+            <a:avLst/>
+          </a:prstGeom>
+          <a:noFill/>
+        </p:spPr>
+        <p:txBody>
+          <a:bodyPr wrap="none" rtlCol="0">
+            <a:spAutoFit/>
+          </a:bodyPr>
+          <a:lstStyle/>
+          <a:p>
+            <a:r>
+              <a:rPr lang="en-US" i="1" dirty="0" smtClean="0"/>
+              <a:t>attributes()</a:t>
+            </a:r>
+            <a:endParaRPr lang="en-US" i="1" dirty="0"/>
+          </a:p>
+        </p:txBody>
+      </p:sp>
+      <p:sp>
+        <p:nvSpPr>
+          <p:cNvPr id="13" name="TextBox 12"/>
+          <p:cNvSpPr txBox="1"/>
+          <p:nvPr/>
+        </p:nvSpPr>
+        <p:spPr>
+          <a:xfrm>
+            <a:off x="3409105" y="3714215"/>
+            <a:ext cx="2201693" cy="369332"/>
+          </a:xfrm>
+          <a:prstGeom prst="rect">
+            <a:avLst/>
+          </a:prstGeom>
+          <a:noFill/>
+        </p:spPr>
+        <p:txBody>
+          <a:bodyPr wrap="none" rtlCol="0">
+            <a:spAutoFit/>
+          </a:bodyPr>
+          <a:lstStyle/>
+          <a:p>
+            <a:r>
+              <a:rPr lang="en-US" dirty="0" smtClean="0"/>
+              <a:t>-return data of object</a:t>
+            </a:r>
+            <a:endParaRPr lang="en-US" dirty="0"/>
+          </a:p>
+        </p:txBody>
+      </p:sp>
+    </p:spTree>
+    <p:extLst>
+      <p:ext uri="{BB962C8B-B14F-4D97-AF65-F5344CB8AC3E}">
+        <p14:creationId xmlns:p14="http://schemas.microsoft.com/office/powerpoint/2010/main" val="3621579254"/>
+      </p:ext>
+    </p:extLst>
+  </p:cSld>
+  <p:clrMapOvr>
+    <a:masterClrMapping/>
+  </p:clrMapOvr>
+  <p:timing>
+    <p:tnLst>
+      <p:par>
+        <p:cTn id="1" dur="indefinite" restart="never" nodeType="tmRoot"/>
+      </p:par>
+    </p:tnLst>
+  </p:timing>
 </p:sld>
 </file>
 
